--- a/최형규/JavaScript/자바스크립트 콜스택.pptx
+++ b/최형규/JavaScript/자바스크립트 콜스택.pptx
@@ -112,6 +112,11 @@
       </a:defRPr>
     </a:lvl9pPr>
   </p:defaultTextStyle>
+  <p:extLst>
+    <p:ext uri="{EFAFB233-063F-42B5-8137-9DF3F51BA10A}">
+      <p15:sldGuideLst xmlns:p15="http://schemas.microsoft.com/office/powerpoint/2012/main"/>
+    </p:ext>
+  </p:extLst>
 </p:presentation>
 </file>
 
@@ -624,7 +629,7 @@
             <a:fld id="{B61BEF0D-F0BB-DE4B-95CE-6DB70DBA9567}" type="datetimeFigureOut">
               <a:rPr lang="en-US" smtClean="0"/>
               <a:pPr/>
-              <a:t>3/12/2023</a:t>
+              <a:t>3/13/2023</a:t>
             </a:fld>
             <a:endParaRPr lang="en-US" dirty="0"/>
           </a:p>
@@ -1608,7 +1613,7 @@
             <a:fld id="{B61BEF0D-F0BB-DE4B-95CE-6DB70DBA9567}" type="datetimeFigureOut">
               <a:rPr lang="en-US" smtClean="0"/>
               <a:pPr/>
-              <a:t>3/12/2023</a:t>
+              <a:t>3/13/2023</a:t>
             </a:fld>
             <a:endParaRPr lang="en-US" dirty="0"/>
           </a:p>
@@ -2480,7 +2485,7 @@
             <a:fld id="{B61BEF0D-F0BB-DE4B-95CE-6DB70DBA9567}" type="datetimeFigureOut">
               <a:rPr lang="en-US" smtClean="0"/>
               <a:pPr/>
-              <a:t>3/12/2023</a:t>
+              <a:t>3/13/2023</a:t>
             </a:fld>
             <a:endParaRPr lang="en-US" dirty="0"/>
           </a:p>
@@ -3503,7 +3508,7 @@
             <a:fld id="{B61BEF0D-F0BB-DE4B-95CE-6DB70DBA9567}" type="datetimeFigureOut">
               <a:rPr lang="en-US" smtClean="0"/>
               <a:pPr/>
-              <a:t>3/12/2023</a:t>
+              <a:t>3/13/2023</a:t>
             </a:fld>
             <a:endParaRPr lang="en-US" dirty="0"/>
           </a:p>
@@ -4425,7 +4430,7 @@
             <a:fld id="{B61BEF0D-F0BB-DE4B-95CE-6DB70DBA9567}" type="datetimeFigureOut">
               <a:rPr lang="en-US" smtClean="0"/>
               <a:pPr/>
-              <a:t>3/12/2023</a:t>
+              <a:t>3/13/2023</a:t>
             </a:fld>
             <a:endParaRPr lang="en-US" dirty="0"/>
           </a:p>
@@ -5083,7 +5088,7 @@
             <a:fld id="{B61BEF0D-F0BB-DE4B-95CE-6DB70DBA9567}" type="datetimeFigureOut">
               <a:rPr lang="en-US" smtClean="0"/>
               <a:pPr/>
-              <a:t>3/12/2023</a:t>
+              <a:t>3/13/2023</a:t>
             </a:fld>
             <a:endParaRPr lang="en-US" dirty="0"/>
           </a:p>
@@ -5942,7 +5947,7 @@
             <a:fld id="{B61BEF0D-F0BB-DE4B-95CE-6DB70DBA9567}" type="datetimeFigureOut">
               <a:rPr lang="en-US" smtClean="0"/>
               <a:pPr/>
-              <a:t>3/12/2023</a:t>
+              <a:t>3/13/2023</a:t>
             </a:fld>
             <a:endParaRPr lang="en-US" dirty="0"/>
           </a:p>
@@ -6127,7 +6132,7 @@
             <a:fld id="{B61BEF0D-F0BB-DE4B-95CE-6DB70DBA9567}" type="datetimeFigureOut">
               <a:rPr lang="en-US" smtClean="0"/>
               <a:pPr/>
-              <a:t>3/12/2023</a:t>
+              <a:t>3/13/2023</a:t>
             </a:fld>
             <a:endParaRPr lang="en-US" dirty="0"/>
           </a:p>
@@ -6986,7 +6991,7 @@
             <a:fld id="{B61BEF0D-F0BB-DE4B-95CE-6DB70DBA9567}" type="datetimeFigureOut">
               <a:rPr lang="en-US" smtClean="0"/>
               <a:pPr/>
-              <a:t>3/12/2023</a:t>
+              <a:t>3/13/2023</a:t>
             </a:fld>
             <a:endParaRPr lang="en-US" dirty="0"/>
           </a:p>
@@ -7206,7 +7211,7 @@
           <a:p>
             <a:fld id="{52647F38-B617-4D2F-AE0A-013F0C4D2C57}" type="datetimeFigureOut">
               <a:rPr lang="en-US" smtClean="0"/>
-              <a:t>3/12/2023</a:t>
+              <a:t>3/13/2023</a:t>
             </a:fld>
             <a:endParaRPr lang="en-US" dirty="0"/>
           </a:p>
@@ -8132,7 +8137,7 @@
             <a:fld id="{B61BEF0D-F0BB-DE4B-95CE-6DB70DBA9567}" type="datetimeFigureOut">
               <a:rPr lang="en-US" smtClean="0"/>
               <a:pPr/>
-              <a:t>3/12/2023</a:t>
+              <a:t>3/13/2023</a:t>
             </a:fld>
             <a:endParaRPr lang="en-US" dirty="0"/>
           </a:p>
@@ -8417,7 +8422,7 @@
           <a:p>
             <a:fld id="{05BFA754-D5C3-4E66-96A6-867B257F58DC}" type="datetimeFigureOut">
               <a:rPr lang="en-US" smtClean="0"/>
-              <a:t>3/12/2023</a:t>
+              <a:t>3/13/2023</a:t>
             </a:fld>
             <a:endParaRPr lang="en-US" dirty="0"/>
           </a:p>
@@ -8808,7 +8813,7 @@
             <a:fld id="{B61BEF0D-F0BB-DE4B-95CE-6DB70DBA9567}" type="datetimeFigureOut">
               <a:rPr lang="en-US" smtClean="0"/>
               <a:pPr/>
-              <a:t>3/12/2023</a:t>
+              <a:t>3/13/2023</a:t>
             </a:fld>
             <a:endParaRPr lang="en-US" dirty="0"/>
           </a:p>
@@ -8936,7 +8941,7 @@
             <a:fld id="{B61BEF0D-F0BB-DE4B-95CE-6DB70DBA9567}" type="datetimeFigureOut">
               <a:rPr lang="en-US" smtClean="0"/>
               <a:pPr/>
-              <a:t>3/12/2023</a:t>
+              <a:t>3/13/2023</a:t>
             </a:fld>
             <a:endParaRPr lang="en-US" dirty="0"/>
           </a:p>
@@ -9033,7 +9038,7 @@
             <a:fld id="{B61BEF0D-F0BB-DE4B-95CE-6DB70DBA9567}" type="datetimeFigureOut">
               <a:rPr lang="en-US" smtClean="0"/>
               <a:pPr/>
-              <a:t>3/12/2023</a:t>
+              <a:t>3/13/2023</a:t>
             </a:fld>
             <a:endParaRPr lang="en-US" dirty="0"/>
           </a:p>
@@ -10006,7 +10011,7 @@
             <a:fld id="{B61BEF0D-F0BB-DE4B-95CE-6DB70DBA9567}" type="datetimeFigureOut">
               <a:rPr lang="en-US" smtClean="0"/>
               <a:pPr/>
-              <a:t>3/12/2023</a:t>
+              <a:t>3/13/2023</a:t>
             </a:fld>
             <a:endParaRPr lang="en-US" dirty="0"/>
           </a:p>
@@ -11003,7 +11008,7 @@
             <a:fld id="{B61BEF0D-F0BB-DE4B-95CE-6DB70DBA9567}" type="datetimeFigureOut">
               <a:rPr lang="en-US" smtClean="0"/>
               <a:pPr/>
-              <a:t>3/12/2023</a:t>
+              <a:t>3/13/2023</a:t>
             </a:fld>
             <a:endParaRPr lang="en-US" dirty="0"/>
           </a:p>
@@ -11889,7 +11894,7 @@
             <a:fld id="{B61BEF0D-F0BB-DE4B-95CE-6DB70DBA9567}" type="datetimeFigureOut">
               <a:rPr lang="en-US" smtClean="0"/>
               <a:pPr/>
-              <a:t>3/12/2023</a:t>
+              <a:t>3/13/2023</a:t>
             </a:fld>
             <a:endParaRPr lang="en-US" dirty="0"/>
           </a:p>
@@ -12542,7 +12547,23 @@
                 <a:ea typeface="Pretendard SemiBold" panose="02000703000000020004" pitchFamily="50" charset="-127"/>
                 <a:cs typeface="Pretendard SemiBold" panose="02000703000000020004" pitchFamily="50" charset="-127"/>
               </a:rPr>
-              <a:t>자바스크립트 비동기 동작 원리</a:t>
+              <a:t>자바스크립트 비동기 </a:t>
+            </a:r>
+            <a:r>
+              <a:rPr lang="ko-KR" altLang="en-US" sz="3200" smtClean="0">
+                <a:latin typeface="Pretendard SemiBold" panose="02000703000000020004" pitchFamily="50" charset="-127"/>
+                <a:ea typeface="Pretendard SemiBold" panose="02000703000000020004" pitchFamily="50" charset="-127"/>
+                <a:cs typeface="Pretendard SemiBold" panose="02000703000000020004" pitchFamily="50" charset="-127"/>
+              </a:rPr>
+              <a:t>동작 </a:t>
+            </a:r>
+            <a:r>
+              <a:rPr lang="ko-KR" altLang="en-US" sz="3200" smtClean="0">
+                <a:latin typeface="Pretendard SemiBold" panose="02000703000000020004" pitchFamily="50" charset="-127"/>
+                <a:ea typeface="Pretendard SemiBold" panose="02000703000000020004" pitchFamily="50" charset="-127"/>
+                <a:cs typeface="Pretendard SemiBold" panose="02000703000000020004" pitchFamily="50" charset="-127"/>
+              </a:rPr>
+              <a:t>원리 </a:t>
             </a:r>
             <a:endParaRPr lang="ko-KR" altLang="en-US" sz="3200" dirty="0">
               <a:latin typeface="Pretendard SemiBold" panose="02000703000000020004" pitchFamily="50" charset="-127"/>
